--- a/doc/Eindpresentatie.pptx
+++ b/doc/Eindpresentatie.pptx
@@ -14,6 +14,8 @@
     <p:sldId id="261" r:id="rId8"/>
     <p:sldId id="260" r:id="rId9"/>
     <p:sldId id="263" r:id="rId10"/>
+    <p:sldId id="264" r:id="rId11"/>
+    <p:sldId id="265" r:id="rId12"/>
   </p:sldIdLst>
   <p:sldSz cx="12192000" cy="6858000"/>
   <p:notesSz cx="6858000" cy="9144000"/>
@@ -112,6 +114,11 @@
       </a:defRPr>
     </a:lvl9pPr>
   </p:defaultTextStyle>
+  <p:extLst>
+    <p:ext uri="{EFAFB233-063F-42B5-8137-9DF3F51BA10A}">
+      <p15:sldGuideLst xmlns:p15="http://schemas.microsoft.com/office/powerpoint/2012/main"/>
+    </p:ext>
+  </p:extLst>
 </p:presentation>
 </file>
 
@@ -8819,6 +8826,125 @@
 </p:sld>
 </file>
 
+<file path=ppt/slides/slide10.xml><?xml version="1.0" encoding="utf-8"?>
+<p:sld xmlns:a="http://schemas.openxmlformats.org/drawingml/2006/main" xmlns:r="http://schemas.openxmlformats.org/officeDocument/2006/relationships" xmlns:p="http://schemas.openxmlformats.org/presentationml/2006/main">
+  <p:cSld>
+    <p:spTree>
+      <p:nvGrpSpPr>
+        <p:cNvPr id="1" name=""/>
+        <p:cNvGrpSpPr/>
+        <p:nvPr/>
+      </p:nvGrpSpPr>
+      <p:grpSpPr>
+        <a:xfrm>
+          <a:off x="0" y="0"/>
+          <a:ext cx="0" cy="0"/>
+          <a:chOff x="0" y="0"/>
+          <a:chExt cx="0" cy="0"/>
+        </a:xfrm>
+      </p:grpSpPr>
+      <p:sp>
+        <p:nvSpPr>
+          <p:cNvPr id="2" name="Titel 1"/>
+          <p:cNvSpPr>
+            <a:spLocks noGrp="1"/>
+          </p:cNvSpPr>
+          <p:nvPr>
+            <p:ph type="title"/>
+          </p:nvPr>
+        </p:nvSpPr>
+        <p:spPr/>
+        <p:txBody>
+          <a:bodyPr/>
+          <a:lstStyle/>
+          <a:p>
+            <a:r>
+              <a:rPr lang="nl-NL" dirty="0"/>
+              <a:t>Ongebruikte </a:t>
+            </a:r>
+            <a:r>
+              <a:rPr lang="nl-NL" dirty="0" err="1"/>
+              <a:t>mockups</a:t>
+            </a:r>
+            <a:r>
+              <a:rPr lang="nl-NL" dirty="0"/>
+              <a:t> web</a:t>
+            </a:r>
+          </a:p>
+        </p:txBody>
+      </p:sp>
+      <p:pic>
+        <p:nvPicPr>
+          <p:cNvPr id="4" name="Tijdelijke aanduiding voor inhoud 3"/>
+          <p:cNvPicPr>
+            <a:picLocks noGrp="1" noChangeAspect="1"/>
+          </p:cNvPicPr>
+          <p:nvPr>
+            <p:ph idx="1"/>
+          </p:nvPr>
+        </p:nvPicPr>
+        <p:blipFill>
+          <a:blip r:embed="rId2">
+            <a:extLst>
+              <a:ext uri="{28A0092B-C50C-407E-A947-70E740481C1C}">
+                <a14:useLocalDpi xmlns:a14="http://schemas.microsoft.com/office/drawing/2010/main" val="0"/>
+              </a:ext>
+            </a:extLst>
+          </a:blip>
+          <a:stretch>
+            <a:fillRect/>
+          </a:stretch>
+        </p:blipFill>
+        <p:spPr>
+          <a:xfrm>
+            <a:off x="1157006" y="2056302"/>
+            <a:ext cx="4364563" cy="3317875"/>
+          </a:xfrm>
+        </p:spPr>
+      </p:pic>
+      <p:pic>
+        <p:nvPicPr>
+          <p:cNvPr id="5" name="Afbeelding 4"/>
+          <p:cNvPicPr>
+            <a:picLocks noChangeAspect="1"/>
+          </p:cNvPicPr>
+          <p:nvPr/>
+        </p:nvPicPr>
+        <p:blipFill>
+          <a:blip r:embed="rId3">
+            <a:extLst>
+              <a:ext uri="{28A0092B-C50C-407E-A947-70E740481C1C}">
+                <a14:useLocalDpi xmlns:a14="http://schemas.microsoft.com/office/drawing/2010/main" val="0"/>
+              </a:ext>
+            </a:extLst>
+          </a:blip>
+          <a:stretch>
+            <a:fillRect/>
+          </a:stretch>
+        </p:blipFill>
+        <p:spPr>
+          <a:xfrm>
+            <a:off x="6204719" y="2056302"/>
+            <a:ext cx="4830274" cy="3317875"/>
+          </a:xfrm>
+          <a:prstGeom prst="rect">
+            <a:avLst/>
+          </a:prstGeom>
+        </p:spPr>
+      </p:pic>
+    </p:spTree>
+    <p:extLst>
+      <p:ext uri="{BB962C8B-B14F-4D97-AF65-F5344CB8AC3E}">
+        <p14:creationId xmlns:p14="http://schemas.microsoft.com/office/powerpoint/2010/main" val="3241905109"/>
+      </p:ext>
+    </p:extLst>
+  </p:cSld>
+  <p:clrMapOvr>
+    <a:masterClrMapping/>
+  </p:clrMapOvr>
+</p:sld>
+</file>
+
 <file path=ppt/slides/slide2.xml><?xml version="1.0" encoding="utf-8"?>
 <p:sld xmlns:a="http://schemas.openxmlformats.org/drawingml/2006/main" xmlns:r="http://schemas.openxmlformats.org/officeDocument/2006/relationships" xmlns:p="http://schemas.openxmlformats.org/presentationml/2006/main">
   <p:cSld>
@@ -9158,25 +9284,35 @@
           </a:p>
         </p:txBody>
       </p:sp>
-      <p:sp>
-        <p:nvSpPr>
-          <p:cNvPr id="6" name="Tijdelijke aanduiding voor inhoud 5"/>
-          <p:cNvSpPr>
-            <a:spLocks noGrp="1"/>
-          </p:cNvSpPr>
+      <p:pic>
+        <p:nvPicPr>
+          <p:cNvPr id="10" name="Tijdelijke aanduiding voor inhoud 9"/>
+          <p:cNvPicPr>
+            <a:picLocks noGrp="1" noChangeAspect="1"/>
+          </p:cNvPicPr>
           <p:nvPr>
             <p:ph idx="1"/>
           </p:nvPr>
-        </p:nvSpPr>
-        <p:spPr/>
-        <p:txBody>
-          <a:bodyPr/>
-          <a:lstStyle/>
-          <a:p>
-            <a:endParaRPr lang="nl-NL"/>
-          </a:p>
-        </p:txBody>
-      </p:sp>
+        </p:nvPicPr>
+        <p:blipFill>
+          <a:blip r:embed="rId2">
+            <a:extLst>
+              <a:ext uri="{28A0092B-C50C-407E-A947-70E740481C1C}">
+                <a14:useLocalDpi xmlns:a14="http://schemas.microsoft.com/office/drawing/2010/main" val="0"/>
+              </a:ext>
+            </a:extLst>
+          </a:blip>
+          <a:stretch>
+            <a:fillRect/>
+          </a:stretch>
+        </p:blipFill>
+        <p:spPr>
+          <a:xfrm>
+            <a:off x="2523392" y="2285999"/>
+            <a:ext cx="7297615" cy="3755746"/>
+          </a:xfrm>
+        </p:spPr>
+      </p:pic>
     </p:spTree>
     <p:extLst>
       <p:ext uri="{BB962C8B-B14F-4D97-AF65-F5344CB8AC3E}">
@@ -9701,10 +9837,164 @@
           </a:xfrm>
         </p:spPr>
       </p:pic>
+      <p:pic>
+        <p:nvPicPr>
+          <p:cNvPr id="3" name="Afbeelding 2"/>
+          <p:cNvPicPr>
+            <a:picLocks noChangeAspect="1"/>
+          </p:cNvPicPr>
+          <p:nvPr/>
+        </p:nvPicPr>
+        <p:blipFill>
+          <a:blip r:embed="rId3">
+            <a:extLst>
+              <a:ext uri="{28A0092B-C50C-407E-A947-70E740481C1C}">
+                <a14:useLocalDpi xmlns:a14="http://schemas.microsoft.com/office/drawing/2010/main" val="0"/>
+              </a:ext>
+            </a:extLst>
+          </a:blip>
+          <a:stretch>
+            <a:fillRect/>
+          </a:stretch>
+        </p:blipFill>
+        <p:spPr>
+          <a:xfrm>
+            <a:off x="5345722" y="2460748"/>
+            <a:ext cx="3578469" cy="3676283"/>
+          </a:xfrm>
+          <a:prstGeom prst="rect">
+            <a:avLst/>
+          </a:prstGeom>
+        </p:spPr>
+      </p:pic>
     </p:spTree>
     <p:extLst>
       <p:ext uri="{BB962C8B-B14F-4D97-AF65-F5344CB8AC3E}">
         <p14:creationId xmlns:p14="http://schemas.microsoft.com/office/powerpoint/2010/main" val="2469170450"/>
+      </p:ext>
+    </p:extLst>
+  </p:cSld>
+  <p:clrMapOvr>
+    <a:masterClrMapping/>
+  </p:clrMapOvr>
+</p:sld>
+</file>
+
+<file path=ppt/slides/slide9.xml><?xml version="1.0" encoding="utf-8"?>
+<p:sld xmlns:a="http://schemas.openxmlformats.org/drawingml/2006/main" xmlns:r="http://schemas.openxmlformats.org/officeDocument/2006/relationships" xmlns:p="http://schemas.openxmlformats.org/presentationml/2006/main">
+  <p:cSld>
+    <p:spTree>
+      <p:nvGrpSpPr>
+        <p:cNvPr id="1" name=""/>
+        <p:cNvGrpSpPr/>
+        <p:nvPr/>
+      </p:nvGrpSpPr>
+      <p:grpSpPr>
+        <a:xfrm>
+          <a:off x="0" y="0"/>
+          <a:ext cx="0" cy="0"/>
+          <a:chOff x="0" y="0"/>
+          <a:chExt cx="0" cy="0"/>
+        </a:xfrm>
+      </p:grpSpPr>
+      <p:sp>
+        <p:nvSpPr>
+          <p:cNvPr id="2" name="Titel 1"/>
+          <p:cNvSpPr>
+            <a:spLocks noGrp="1"/>
+          </p:cNvSpPr>
+          <p:nvPr>
+            <p:ph type="title"/>
+          </p:nvPr>
+        </p:nvSpPr>
+        <p:spPr/>
+        <p:txBody>
+          <a:bodyPr/>
+          <a:lstStyle/>
+          <a:p>
+            <a:r>
+              <a:rPr lang="nl-NL" dirty="0"/>
+              <a:t>Ongebruikte </a:t>
+            </a:r>
+            <a:r>
+              <a:rPr lang="nl-NL" dirty="0" err="1"/>
+              <a:t>mockups</a:t>
+            </a:r>
+            <a:r>
+              <a:rPr lang="nl-NL" dirty="0"/>
+              <a:t> </a:t>
+            </a:r>
+            <a:r>
+              <a:rPr lang="nl-NL" dirty="0" err="1"/>
+              <a:t>android</a:t>
+            </a:r>
+            <a:endParaRPr lang="nl-NL" dirty="0"/>
+          </a:p>
+        </p:txBody>
+      </p:sp>
+      <p:pic>
+        <p:nvPicPr>
+          <p:cNvPr id="8" name="Tijdelijke aanduiding voor inhoud 7"/>
+          <p:cNvPicPr>
+            <a:picLocks noGrp="1" noChangeAspect="1"/>
+          </p:cNvPicPr>
+          <p:nvPr>
+            <p:ph idx="1"/>
+          </p:nvPr>
+        </p:nvPicPr>
+        <p:blipFill>
+          <a:blip r:embed="rId2">
+            <a:extLst>
+              <a:ext uri="{28A0092B-C50C-407E-A947-70E740481C1C}">
+                <a14:useLocalDpi xmlns:a14="http://schemas.microsoft.com/office/drawing/2010/main" val="0"/>
+              </a:ext>
+            </a:extLst>
+          </a:blip>
+          <a:stretch>
+            <a:fillRect/>
+          </a:stretch>
+        </p:blipFill>
+        <p:spPr>
+          <a:xfrm>
+            <a:off x="3264879" y="2285999"/>
+            <a:ext cx="2344613" cy="3719147"/>
+          </a:xfrm>
+        </p:spPr>
+      </p:pic>
+      <p:pic>
+        <p:nvPicPr>
+          <p:cNvPr id="9" name="Afbeelding 8"/>
+          <p:cNvPicPr>
+            <a:picLocks noChangeAspect="1"/>
+          </p:cNvPicPr>
+          <p:nvPr/>
+        </p:nvPicPr>
+        <p:blipFill>
+          <a:blip r:embed="rId3">
+            <a:extLst>
+              <a:ext uri="{28A0092B-C50C-407E-A947-70E740481C1C}">
+                <a14:useLocalDpi xmlns:a14="http://schemas.microsoft.com/office/drawing/2010/main" val="0"/>
+              </a:ext>
+            </a:extLst>
+          </a:blip>
+          <a:stretch>
+            <a:fillRect/>
+          </a:stretch>
+        </p:blipFill>
+        <p:spPr>
+          <a:xfrm>
+            <a:off x="6435970" y="2173368"/>
+            <a:ext cx="2509105" cy="3944408"/>
+          </a:xfrm>
+          <a:prstGeom prst="rect">
+            <a:avLst/>
+          </a:prstGeom>
+        </p:spPr>
+      </p:pic>
+    </p:spTree>
+    <p:extLst>
+      <p:ext uri="{BB962C8B-B14F-4D97-AF65-F5344CB8AC3E}">
+        <p14:creationId xmlns:p14="http://schemas.microsoft.com/office/powerpoint/2010/main" val="363306957"/>
       </p:ext>
     </p:extLst>
   </p:cSld>
